--- a/Specifications.pptx
+++ b/Specifications.pptx
@@ -5,18 +5,20 @@
     <p:sldMasterId id="2147483649" r:id="rId1"/>
   </p:sldMasterIdLst>
   <p:notesMasterIdLst>
-    <p:notesMasterId r:id="rId8"/>
+    <p:notesMasterId r:id="rId10"/>
   </p:notesMasterIdLst>
   <p:handoutMasterIdLst>
-    <p:handoutMasterId r:id="rId9"/>
+    <p:handoutMasterId r:id="rId11"/>
   </p:handoutMasterIdLst>
   <p:sldIdLst>
     <p:sldId id="256" r:id="rId2"/>
     <p:sldId id="262" r:id="rId3"/>
     <p:sldId id="281" r:id="rId4"/>
     <p:sldId id="280" r:id="rId5"/>
-    <p:sldId id="282" r:id="rId6"/>
-    <p:sldId id="279" r:id="rId7"/>
+    <p:sldId id="284" r:id="rId6"/>
+    <p:sldId id="283" r:id="rId7"/>
+    <p:sldId id="282" r:id="rId8"/>
+    <p:sldId id="279" r:id="rId9"/>
   </p:sldIdLst>
   <p:sldSz cx="9144000" cy="6858000" type="screen4x3"/>
   <p:notesSz cx="7315200" cy="9601200"/>
@@ -1268,6 +1270,218 @@
               <a:rPr lang="en-GB"/>
               <a:pPr/>
               <a:t>5</a:t>
+            </a:fld>
+            <a:endParaRPr lang="en-GB" dirty="0"/>
+          </a:p>
+        </p:txBody>
+      </p:sp>
+      <p:sp>
+        <p:nvSpPr>
+          <p:cNvPr id="227330" name="Rectangle 2"/>
+          <p:cNvSpPr>
+            <a:spLocks noGrp="1" noRot="1" noChangeAspect="1" noChangeArrowheads="1" noTextEdit="1"/>
+          </p:cNvSpPr>
+          <p:nvPr>
+            <p:ph type="sldImg"/>
+          </p:nvPr>
+        </p:nvSpPr>
+        <p:spPr>
+          <a:xfrm>
+            <a:off x="1257300" y="720725"/>
+            <a:ext cx="4800600" cy="3600450"/>
+          </a:xfrm>
+          <a:prstGeom prst="rect">
+            <a:avLst/>
+          </a:prstGeom>
+          <a:ln/>
+        </p:spPr>
+      </p:sp>
+      <p:sp>
+        <p:nvSpPr>
+          <p:cNvPr id="227331" name="Rectangle 3"/>
+          <p:cNvSpPr>
+            <a:spLocks noGrp="1" noChangeArrowheads="1"/>
+          </p:cNvSpPr>
+          <p:nvPr>
+            <p:ph type="body" idx="1"/>
+          </p:nvPr>
+        </p:nvSpPr>
+        <p:spPr>
+          <a:xfrm>
+            <a:off x="731346" y="4560302"/>
+            <a:ext cx="5852508" cy="4320770"/>
+          </a:xfrm>
+          <a:prstGeom prst="rect">
+            <a:avLst/>
+          </a:prstGeom>
+        </p:spPr>
+        <p:txBody>
+          <a:bodyPr/>
+          <a:lstStyle/>
+          <a:p>
+            <a:endParaRPr lang="en-US" noProof="1"/>
+          </a:p>
+        </p:txBody>
+      </p:sp>
+    </p:spTree>
+  </p:cSld>
+  <p:clrMapOvr>
+    <a:masterClrMapping/>
+  </p:clrMapOvr>
+</p:notes>
+</file>
+
+<file path=ppt/notesSlides/notesSlide6.xml><?xml version="1.0" encoding="utf-8"?>
+<p:notes xmlns:a="http://schemas.openxmlformats.org/drawingml/2006/main" xmlns:r="http://schemas.openxmlformats.org/officeDocument/2006/relationships" xmlns:p="http://schemas.openxmlformats.org/presentationml/2006/main">
+  <p:cSld>
+    <p:spTree>
+      <p:nvGrpSpPr>
+        <p:cNvPr id="1" name=""/>
+        <p:cNvGrpSpPr/>
+        <p:nvPr/>
+      </p:nvGrpSpPr>
+      <p:grpSpPr>
+        <a:xfrm>
+          <a:off x="0" y="0"/>
+          <a:ext cx="0" cy="0"/>
+          <a:chOff x="0" y="0"/>
+          <a:chExt cx="0" cy="0"/>
+        </a:xfrm>
+      </p:grpSpPr>
+      <p:sp>
+        <p:nvSpPr>
+          <p:cNvPr id="7" name="Rectangle 7"/>
+          <p:cNvSpPr>
+            <a:spLocks noGrp="1" noChangeArrowheads="1"/>
+          </p:cNvSpPr>
+          <p:nvPr>
+            <p:ph type="sldNum" sz="quarter" idx="5"/>
+          </p:nvPr>
+        </p:nvSpPr>
+        <p:spPr>
+          <a:xfrm>
+            <a:off x="4144293" y="9119068"/>
+            <a:ext cx="3169165" cy="480597"/>
+          </a:xfrm>
+          <a:prstGeom prst="rect">
+            <a:avLst/>
+          </a:prstGeom>
+          <a:ln/>
+        </p:spPr>
+        <p:txBody>
+          <a:bodyPr/>
+          <a:lstStyle/>
+          <a:p>
+            <a:fld id="{940F062D-CB52-440E-86CA-AF4BD4000C65}" type="slidenum">
+              <a:rPr lang="en-GB"/>
+              <a:pPr/>
+              <a:t>6</a:t>
+            </a:fld>
+            <a:endParaRPr lang="en-GB" dirty="0"/>
+          </a:p>
+        </p:txBody>
+      </p:sp>
+      <p:sp>
+        <p:nvSpPr>
+          <p:cNvPr id="227330" name="Rectangle 2"/>
+          <p:cNvSpPr>
+            <a:spLocks noGrp="1" noRot="1" noChangeAspect="1" noChangeArrowheads="1" noTextEdit="1"/>
+          </p:cNvSpPr>
+          <p:nvPr>
+            <p:ph type="sldImg"/>
+          </p:nvPr>
+        </p:nvSpPr>
+        <p:spPr>
+          <a:xfrm>
+            <a:off x="1257300" y="720725"/>
+            <a:ext cx="4800600" cy="3600450"/>
+          </a:xfrm>
+          <a:prstGeom prst="rect">
+            <a:avLst/>
+          </a:prstGeom>
+          <a:ln/>
+        </p:spPr>
+      </p:sp>
+      <p:sp>
+        <p:nvSpPr>
+          <p:cNvPr id="227331" name="Rectangle 3"/>
+          <p:cNvSpPr>
+            <a:spLocks noGrp="1" noChangeArrowheads="1"/>
+          </p:cNvSpPr>
+          <p:nvPr>
+            <p:ph type="body" idx="1"/>
+          </p:nvPr>
+        </p:nvSpPr>
+        <p:spPr>
+          <a:xfrm>
+            <a:off x="731346" y="4560302"/>
+            <a:ext cx="5852508" cy="4320770"/>
+          </a:xfrm>
+          <a:prstGeom prst="rect">
+            <a:avLst/>
+          </a:prstGeom>
+        </p:spPr>
+        <p:txBody>
+          <a:bodyPr/>
+          <a:lstStyle/>
+          <a:p>
+            <a:endParaRPr lang="en-US" noProof="1"/>
+          </a:p>
+        </p:txBody>
+      </p:sp>
+    </p:spTree>
+  </p:cSld>
+  <p:clrMapOvr>
+    <a:masterClrMapping/>
+  </p:clrMapOvr>
+</p:notes>
+</file>
+
+<file path=ppt/notesSlides/notesSlide7.xml><?xml version="1.0" encoding="utf-8"?>
+<p:notes xmlns:a="http://schemas.openxmlformats.org/drawingml/2006/main" xmlns:r="http://schemas.openxmlformats.org/officeDocument/2006/relationships" xmlns:p="http://schemas.openxmlformats.org/presentationml/2006/main">
+  <p:cSld>
+    <p:spTree>
+      <p:nvGrpSpPr>
+        <p:cNvPr id="1" name=""/>
+        <p:cNvGrpSpPr/>
+        <p:nvPr/>
+      </p:nvGrpSpPr>
+      <p:grpSpPr>
+        <a:xfrm>
+          <a:off x="0" y="0"/>
+          <a:ext cx="0" cy="0"/>
+          <a:chOff x="0" y="0"/>
+          <a:chExt cx="0" cy="0"/>
+        </a:xfrm>
+      </p:grpSpPr>
+      <p:sp>
+        <p:nvSpPr>
+          <p:cNvPr id="7" name="Rectangle 7"/>
+          <p:cNvSpPr>
+            <a:spLocks noGrp="1" noChangeArrowheads="1"/>
+          </p:cNvSpPr>
+          <p:nvPr>
+            <p:ph type="sldNum" sz="quarter" idx="5"/>
+          </p:nvPr>
+        </p:nvSpPr>
+        <p:spPr>
+          <a:xfrm>
+            <a:off x="4144293" y="9119068"/>
+            <a:ext cx="3169165" cy="480597"/>
+          </a:xfrm>
+          <a:prstGeom prst="rect">
+            <a:avLst/>
+          </a:prstGeom>
+          <a:ln/>
+        </p:spPr>
+        <p:txBody>
+          <a:bodyPr/>
+          <a:lstStyle/>
+          <a:p>
+            <a:fld id="{940F062D-CB52-440E-86CA-AF4BD4000C65}" type="slidenum">
+              <a:rPr lang="en-GB"/>
+              <a:pPr/>
+              <a:t>7</a:t>
             </a:fld>
             <a:endParaRPr lang="en-GB" dirty="0"/>
           </a:p>
@@ -4890,13 +5104,7 @@
           <a:p>
             <a:r>
               <a:rPr lang="en-GB" dirty="0" smtClean="0"/>
-              <a:t>Gain in readability</a:t>
-            </a:r>
-          </a:p>
-          <a:p>
-            <a:r>
-              <a:rPr lang="en-GB" dirty="0" smtClean="0"/>
-              <a:t>Stay in SPP document</a:t>
+              <a:t>Stay in SPP or any documents using CTRL+C</a:t>
             </a:r>
           </a:p>
           <a:p>
@@ -5170,38 +5378,42 @@
           </a:xfrm>
         </p:spPr>
         <p:txBody>
-          <a:bodyPr/>
+          <a:bodyPr>
+            <a:normAutofit fontScale="92500" lnSpcReduction="20000"/>
+          </a:bodyPr>
           <a:lstStyle/>
           <a:p>
             <a:r>
               <a:rPr lang="en-GB" dirty="0" smtClean="0"/>
-              <a:t>To see a variable use </a:t>
-            </a:r>
-            <a:r>
-              <a:rPr lang="en-GB" dirty="0" err="1" smtClean="0"/>
-              <a:t>Ctrl+c</a:t>
-            </a:r>
+              <a:t>To see a variable use CTRL+C shortcut</a:t>
+            </a:r>
+          </a:p>
+          <a:p>
             <a:r>
               <a:rPr lang="en-GB" dirty="0" smtClean="0"/>
-              <a:t> shortcut</a:t>
+              <a:t>If there aren’t variables or more than N (number defined) results, then the popup will display a message to notify the users.</a:t>
             </a:r>
           </a:p>
           <a:p>
             <a:r>
               <a:rPr lang="en-GB" dirty="0" smtClean="0"/>
-              <a:t>If a variable matches a popup will appear in notify bar </a:t>
-            </a:r>
-          </a:p>
-          <a:p>
+              <a:t>If </a:t>
+            </a:r>
+            <a:r>
+              <a:rPr lang="en-GB" dirty="0"/>
+              <a:t>a variable </a:t>
+            </a:r>
             <a:r>
               <a:rPr lang="en-GB" dirty="0" smtClean="0"/>
-              <a:t>The different variables will be show with their values</a:t>
-            </a:r>
-          </a:p>
-          <a:p>
+              <a:t>matches, the </a:t>
+            </a:r>
+            <a:r>
+              <a:rPr lang="en-GB" dirty="0"/>
+              <a:t>different variables will be shown with their </a:t>
+            </a:r>
             <a:r>
               <a:rPr lang="en-GB" dirty="0" smtClean="0"/>
-              <a:t>If there aren’t  of variables or more ten results, there won’t be a popup </a:t>
+              <a:t>values in a popup</a:t>
             </a:r>
           </a:p>
           <a:p>
@@ -5211,7 +5423,40 @@
             </a:r>
           </a:p>
           <a:p>
-            <a:endParaRPr lang="en-GB" dirty="0" smtClean="0"/>
+            <a:r>
+              <a:rPr lang="en-GB" dirty="0"/>
+              <a:t>T</a:t>
+            </a:r>
+            <a:r>
+              <a:rPr lang="en-GB" dirty="0" smtClean="0"/>
+              <a:t>he popup stay displayed for N (parameter) seconds, </a:t>
+            </a:r>
+            <a:r>
+              <a:rPr lang="en-GB" dirty="0"/>
+              <a:t>if an user doesn’t click on the </a:t>
+            </a:r>
+            <a:r>
+              <a:rPr lang="en-GB" dirty="0" smtClean="0"/>
+              <a:t>popup</a:t>
+            </a:r>
+          </a:p>
+          <a:p>
+            <a:r>
+              <a:rPr lang="en-GB" dirty="0" smtClean="0"/>
+              <a:t>Possibility to edit copied variable </a:t>
+            </a:r>
+          </a:p>
+          <a:p>
+            <a:r>
+              <a:rPr lang="en-GB" dirty="0" smtClean="0"/>
+              <a:t>Timestamp (last update of VS variable)</a:t>
+            </a:r>
+          </a:p>
+          <a:p>
+            <a:r>
+              <a:rPr lang="en-GB" dirty="0" smtClean="0"/>
+              <a:t>Refresh button for exhaustive VS variable list</a:t>
+            </a:r>
           </a:p>
           <a:p>
             <a:endParaRPr lang="en-GB" dirty="0"/>
@@ -5272,6 +5517,401 @@
           <a:p>
             <a:r>
               <a:rPr lang="en-GB" dirty="0" smtClean="0"/>
+              <a:t>Functionalities</a:t>
+            </a:r>
+            <a:endParaRPr lang="en-GB" dirty="0"/>
+          </a:p>
+        </p:txBody>
+      </p:sp>
+      <p:sp>
+        <p:nvSpPr>
+          <p:cNvPr id="5" name="Rectangle 4"/>
+          <p:cNvSpPr/>
+          <p:nvPr/>
+        </p:nvSpPr>
+        <p:spPr>
+          <a:xfrm>
+            <a:off x="643941" y="2774488"/>
+            <a:ext cx="1700012" cy="1596980"/>
+          </a:xfrm>
+          <a:prstGeom prst="rect">
+            <a:avLst/>
+          </a:prstGeom>
+        </p:spPr>
+        <p:style>
+          <a:lnRef idx="2">
+            <a:schemeClr val="accent1">
+              <a:shade val="50000"/>
+            </a:schemeClr>
+          </a:lnRef>
+          <a:fillRef idx="1">
+            <a:schemeClr val="accent1"/>
+          </a:fillRef>
+          <a:effectRef idx="0">
+            <a:schemeClr val="accent1"/>
+          </a:effectRef>
+          <a:fontRef idx="minor">
+            <a:schemeClr val="lt1"/>
+          </a:fontRef>
+        </p:style>
+        <p:txBody>
+          <a:bodyPr rtlCol="0" anchor="ctr"/>
+          <a:lstStyle/>
+          <a:p>
+            <a:pPr algn="ctr"/>
+            <a:r>
+              <a:rPr lang="fr-FR" dirty="0" smtClean="0"/>
+              <a:t>Complete </a:t>
+            </a:r>
+            <a:r>
+              <a:rPr lang="fr-FR" dirty="0" err="1" smtClean="0"/>
+              <a:t>list</a:t>
+            </a:r>
+            <a:r>
+              <a:rPr lang="fr-FR" dirty="0" smtClean="0"/>
+              <a:t> of variables</a:t>
+            </a:r>
+            <a:endParaRPr lang="en-US" dirty="0"/>
+          </a:p>
+        </p:txBody>
+      </p:sp>
+      <p:sp>
+        <p:nvSpPr>
+          <p:cNvPr id="6" name="Rectangle 5"/>
+          <p:cNvSpPr/>
+          <p:nvPr/>
+        </p:nvSpPr>
+        <p:spPr>
+          <a:xfrm>
+            <a:off x="2663779" y="2774488"/>
+            <a:ext cx="1700012" cy="1596980"/>
+          </a:xfrm>
+          <a:prstGeom prst="rect">
+            <a:avLst/>
+          </a:prstGeom>
+        </p:spPr>
+        <p:style>
+          <a:lnRef idx="2">
+            <a:schemeClr val="accent1">
+              <a:shade val="50000"/>
+            </a:schemeClr>
+          </a:lnRef>
+          <a:fillRef idx="1">
+            <a:schemeClr val="accent1"/>
+          </a:fillRef>
+          <a:effectRef idx="0">
+            <a:schemeClr val="accent1"/>
+          </a:effectRef>
+          <a:fontRef idx="minor">
+            <a:schemeClr val="lt1"/>
+          </a:fontRef>
+        </p:style>
+        <p:txBody>
+          <a:bodyPr rtlCol="0" anchor="ctr"/>
+          <a:lstStyle/>
+          <a:p>
+            <a:pPr algn="ctr"/>
+            <a:r>
+              <a:rPr lang="fr-FR" dirty="0" smtClean="0"/>
+              <a:t>White </a:t>
+            </a:r>
+            <a:r>
+              <a:rPr lang="fr-FR" dirty="0" err="1" smtClean="0"/>
+              <a:t>list</a:t>
+            </a:r>
+            <a:r>
+              <a:rPr lang="fr-FR" dirty="0" smtClean="0"/>
+              <a:t> (</a:t>
+            </a:r>
+            <a:r>
+              <a:rPr lang="fr-FR" dirty="0" err="1" smtClean="0"/>
+              <a:t>selected</a:t>
+            </a:r>
+            <a:r>
+              <a:rPr lang="fr-FR" dirty="0" smtClean="0"/>
+              <a:t> variables),</a:t>
+            </a:r>
+          </a:p>
+          <a:p>
+            <a:pPr algn="ctr"/>
+            <a:r>
+              <a:rPr lang="fr-FR" dirty="0" smtClean="0"/>
+              <a:t> black </a:t>
+            </a:r>
+            <a:r>
+              <a:rPr lang="fr-FR" dirty="0" err="1" smtClean="0"/>
+              <a:t>list</a:t>
+            </a:r>
+            <a:r>
+              <a:rPr lang="fr-FR" dirty="0" smtClean="0"/>
+              <a:t> (</a:t>
+            </a:r>
+            <a:r>
+              <a:rPr lang="fr-FR" dirty="0" err="1" smtClean="0"/>
+              <a:t>forbidden</a:t>
+            </a:r>
+            <a:r>
+              <a:rPr lang="fr-FR" dirty="0" smtClean="0"/>
+              <a:t> variables)</a:t>
+            </a:r>
+            <a:endParaRPr lang="en-US" dirty="0"/>
+          </a:p>
+        </p:txBody>
+      </p:sp>
+      <p:sp>
+        <p:nvSpPr>
+          <p:cNvPr id="7" name="Rectangle 6"/>
+          <p:cNvSpPr/>
+          <p:nvPr/>
+        </p:nvSpPr>
+        <p:spPr>
+          <a:xfrm>
+            <a:off x="4735130" y="2746584"/>
+            <a:ext cx="1700012" cy="1596980"/>
+          </a:xfrm>
+          <a:prstGeom prst="rect">
+            <a:avLst/>
+          </a:prstGeom>
+        </p:spPr>
+        <p:style>
+          <a:lnRef idx="2">
+            <a:schemeClr val="accent1">
+              <a:shade val="50000"/>
+            </a:schemeClr>
+          </a:lnRef>
+          <a:fillRef idx="1">
+            <a:schemeClr val="accent1"/>
+          </a:fillRef>
+          <a:effectRef idx="0">
+            <a:schemeClr val="accent1"/>
+          </a:effectRef>
+          <a:fontRef idx="minor">
+            <a:schemeClr val="lt1"/>
+          </a:fontRef>
+        </p:style>
+        <p:txBody>
+          <a:bodyPr rtlCol="0" anchor="ctr"/>
+          <a:lstStyle/>
+          <a:p>
+            <a:pPr algn="ctr"/>
+            <a:r>
+              <a:rPr lang="fr-FR" dirty="0" err="1" smtClean="0"/>
+              <a:t>Searched</a:t>
+            </a:r>
+            <a:r>
+              <a:rPr lang="fr-FR" dirty="0" smtClean="0"/>
+              <a:t> </a:t>
+            </a:r>
+            <a:r>
+              <a:rPr lang="fr-FR" dirty="0" err="1" smtClean="0"/>
+              <a:t>text</a:t>
+            </a:r>
+            <a:endParaRPr lang="en-US" dirty="0"/>
+          </a:p>
+        </p:txBody>
+      </p:sp>
+      <p:sp>
+        <p:nvSpPr>
+          <p:cNvPr id="8" name="Rectangle 7"/>
+          <p:cNvSpPr/>
+          <p:nvPr/>
+        </p:nvSpPr>
+        <p:spPr>
+          <a:xfrm>
+            <a:off x="6808630" y="2746584"/>
+            <a:ext cx="1700012" cy="1596980"/>
+          </a:xfrm>
+          <a:prstGeom prst="rect">
+            <a:avLst/>
+          </a:prstGeom>
+        </p:spPr>
+        <p:style>
+          <a:lnRef idx="2">
+            <a:schemeClr val="accent1">
+              <a:shade val="50000"/>
+            </a:schemeClr>
+          </a:lnRef>
+          <a:fillRef idx="1">
+            <a:schemeClr val="accent1"/>
+          </a:fillRef>
+          <a:effectRef idx="0">
+            <a:schemeClr val="accent1"/>
+          </a:effectRef>
+          <a:fontRef idx="minor">
+            <a:schemeClr val="lt1"/>
+          </a:fontRef>
+        </p:style>
+        <p:txBody>
+          <a:bodyPr rtlCol="0" anchor="ctr"/>
+          <a:lstStyle/>
+          <a:p>
+            <a:pPr algn="ctr"/>
+            <a:r>
+              <a:rPr lang="fr-FR" dirty="0" smtClean="0"/>
+              <a:t>Final </a:t>
+            </a:r>
+            <a:r>
+              <a:rPr lang="fr-FR" dirty="0" err="1" smtClean="0"/>
+              <a:t>list</a:t>
+            </a:r>
+            <a:r>
+              <a:rPr lang="fr-FR" dirty="0" smtClean="0"/>
+              <a:t> of variables</a:t>
+            </a:r>
+            <a:endParaRPr lang="en-US" dirty="0"/>
+          </a:p>
+        </p:txBody>
+      </p:sp>
+    </p:spTree>
+    <p:extLst>
+      <p:ext uri="{BB962C8B-B14F-4D97-AF65-F5344CB8AC3E}">
+        <p14:creationId xmlns:p14="http://schemas.microsoft.com/office/powerpoint/2010/main" val="565442274"/>
+      </p:ext>
+    </p:extLst>
+  </p:cSld>
+  <p:clrMapOvr>
+    <a:masterClrMapping/>
+  </p:clrMapOvr>
+  <p:timing>
+    <p:tnLst>
+      <p:par>
+        <p:cTn id="1" dur="indefinite" restart="never" nodeType="tmRoot"/>
+      </p:par>
+    </p:tnLst>
+  </p:timing>
+</p:sld>
+</file>
+
+<file path=ppt/slides/slide6.xml><?xml version="1.0" encoding="utf-8"?>
+<p:sld xmlns:a="http://schemas.openxmlformats.org/drawingml/2006/main" xmlns:r="http://schemas.openxmlformats.org/officeDocument/2006/relationships" xmlns:p="http://schemas.openxmlformats.org/presentationml/2006/main">
+  <p:cSld>
+    <p:spTree>
+      <p:nvGrpSpPr>
+        <p:cNvPr id="1" name=""/>
+        <p:cNvGrpSpPr/>
+        <p:nvPr/>
+      </p:nvGrpSpPr>
+      <p:grpSpPr>
+        <a:xfrm>
+          <a:off x="0" y="0"/>
+          <a:ext cx="0" cy="0"/>
+          <a:chOff x="0" y="0"/>
+          <a:chExt cx="0" cy="0"/>
+        </a:xfrm>
+      </p:grpSpPr>
+      <p:sp>
+        <p:nvSpPr>
+          <p:cNvPr id="2" name="Title 1"/>
+          <p:cNvSpPr>
+            <a:spLocks noGrp="1"/>
+          </p:cNvSpPr>
+          <p:nvPr>
+            <p:ph type="title"/>
+          </p:nvPr>
+        </p:nvSpPr>
+        <p:spPr/>
+        <p:txBody>
+          <a:bodyPr/>
+          <a:lstStyle/>
+          <a:p>
+            <a:r>
+              <a:rPr lang="en-GB" dirty="0" smtClean="0"/>
+              <a:t>Functionalities V2</a:t>
+            </a:r>
+            <a:endParaRPr lang="en-GB" dirty="0"/>
+          </a:p>
+        </p:txBody>
+      </p:sp>
+      <p:sp>
+        <p:nvSpPr>
+          <p:cNvPr id="4" name="Text Placeholder 3"/>
+          <p:cNvSpPr>
+            <a:spLocks noGrp="1"/>
+          </p:cNvSpPr>
+          <p:nvPr>
+            <p:ph type="body" sz="quarter" idx="11"/>
+          </p:nvPr>
+        </p:nvSpPr>
+        <p:spPr>
+          <a:xfrm>
+            <a:off x="466200" y="1367327"/>
+            <a:ext cx="8211600" cy="4881073"/>
+          </a:xfrm>
+        </p:spPr>
+        <p:txBody>
+          <a:bodyPr/>
+          <a:lstStyle/>
+          <a:p>
+            <a:r>
+              <a:rPr lang="en-GB" dirty="0" smtClean="0"/>
+              <a:t>Forcing variable and associated actions</a:t>
+            </a:r>
+          </a:p>
+          <a:p>
+            <a:r>
+              <a:rPr lang="en-GB" dirty="0" smtClean="0"/>
+              <a:t>Automated refresh of VS variable</a:t>
+            </a:r>
+          </a:p>
+          <a:p>
+            <a:endParaRPr lang="en-GB" dirty="0"/>
+          </a:p>
+        </p:txBody>
+      </p:sp>
+    </p:spTree>
+    <p:extLst>
+      <p:ext uri="{BB962C8B-B14F-4D97-AF65-F5344CB8AC3E}">
+        <p14:creationId xmlns:p14="http://schemas.microsoft.com/office/powerpoint/2010/main" val="4227253439"/>
+      </p:ext>
+    </p:extLst>
+  </p:cSld>
+  <p:clrMapOvr>
+    <a:masterClrMapping/>
+  </p:clrMapOvr>
+  <p:timing>
+    <p:tnLst>
+      <p:par>
+        <p:cTn id="1" dur="indefinite" restart="never" nodeType="tmRoot"/>
+      </p:par>
+    </p:tnLst>
+  </p:timing>
+</p:sld>
+</file>
+
+<file path=ppt/slides/slide7.xml><?xml version="1.0" encoding="utf-8"?>
+<p:sld xmlns:a="http://schemas.openxmlformats.org/drawingml/2006/main" xmlns:r="http://schemas.openxmlformats.org/officeDocument/2006/relationships" xmlns:p="http://schemas.openxmlformats.org/presentationml/2006/main">
+  <p:cSld>
+    <p:spTree>
+      <p:nvGrpSpPr>
+        <p:cNvPr id="1" name=""/>
+        <p:cNvGrpSpPr/>
+        <p:nvPr/>
+      </p:nvGrpSpPr>
+      <p:grpSpPr>
+        <a:xfrm>
+          <a:off x="0" y="0"/>
+          <a:ext cx="0" cy="0"/>
+          <a:chOff x="0" y="0"/>
+          <a:chExt cx="0" cy="0"/>
+        </a:xfrm>
+      </p:grpSpPr>
+      <p:sp>
+        <p:nvSpPr>
+          <p:cNvPr id="2" name="Title 1"/>
+          <p:cNvSpPr>
+            <a:spLocks noGrp="1"/>
+          </p:cNvSpPr>
+          <p:nvPr>
+            <p:ph type="title"/>
+          </p:nvPr>
+        </p:nvSpPr>
+        <p:spPr/>
+        <p:txBody>
+          <a:bodyPr/>
+          <a:lstStyle/>
+          <a:p>
+            <a:r>
+              <a:rPr lang="en-GB" dirty="0" smtClean="0"/>
               <a:t>Suggested presentation</a:t>
             </a:r>
             <a:endParaRPr lang="en-GB" dirty="0"/>
@@ -5570,7 +6210,7 @@
                 <a:latin typeface="Arial" pitchFamily="34" charset="0"/>
                 <a:cs typeface="Arial" pitchFamily="34" charset="0"/>
               </a:rPr>
-              <a:t>US1/FPGA/IN_FIFO/SPARE_IN1413  </a:t>
+              <a:t>US1/FPGA/IN_FIFO/SPARE_IN1413  |  </a:t>
             </a:r>
             <a:r>
               <a:rPr lang="fr-FR" sz="1200" dirty="0" smtClean="0">
@@ -5583,7 +6223,33 @@
                 <a:cs typeface="Arial" pitchFamily="34" charset="0"/>
                 <a:sym typeface="Wingdings" panose="05000000000000000000" pitchFamily="2" charset="2"/>
               </a:rPr>
-              <a:t>  1</a:t>
+              <a:t>1    (</a:t>
+            </a:r>
+            <a:r>
+              <a:rPr lang="fr-FR" sz="1200" dirty="0" err="1" smtClean="0">
+                <a:solidFill>
+                  <a:schemeClr val="tx1">
+                    <a:lumMod val="50000"/>
+                  </a:schemeClr>
+                </a:solidFill>
+                <a:latin typeface="Arial" pitchFamily="34" charset="0"/>
+                <a:cs typeface="Arial" pitchFamily="34" charset="0"/>
+                <a:sym typeface="Wingdings" panose="05000000000000000000" pitchFamily="2" charset="2"/>
+              </a:rPr>
+              <a:t>timestamp</a:t>
+            </a:r>
+            <a:r>
+              <a:rPr lang="fr-FR" sz="1200" dirty="0" smtClean="0">
+                <a:solidFill>
+                  <a:schemeClr val="tx1">
+                    <a:lumMod val="50000"/>
+                  </a:schemeClr>
+                </a:solidFill>
+                <a:latin typeface="Arial" pitchFamily="34" charset="0"/>
+                <a:cs typeface="Arial" pitchFamily="34" charset="0"/>
+                <a:sym typeface="Wingdings" panose="05000000000000000000" pitchFamily="2" charset="2"/>
+              </a:rPr>
+              <a:t>)</a:t>
             </a:r>
           </a:p>
           <a:p>
@@ -5601,6 +6267,19 @@
               <a:t>US2/FPGA/IN_FIFO/SPARE_IN1413  </a:t>
             </a:r>
             <a:r>
+              <a:rPr lang="fr-FR" sz="1200" dirty="0" smtClean="0">
+                <a:solidFill>
+                  <a:schemeClr val="tx1">
+                    <a:lumMod val="50000"/>
+                  </a:schemeClr>
+                </a:solidFill>
+                <a:latin typeface="Arial" pitchFamily="34" charset="0"/>
+                <a:cs typeface="Arial" pitchFamily="34" charset="0"/>
+                <a:sym typeface="Wingdings" panose="05000000000000000000" pitchFamily="2" charset="2"/>
+              </a:rPr>
+              <a:t>|</a:t>
+            </a:r>
+            <a:r>
               <a:rPr lang="fr-FR" sz="1200" dirty="0">
                 <a:solidFill>
                   <a:schemeClr val="tx1">
@@ -5611,7 +6290,7 @@
                 <a:cs typeface="Arial" pitchFamily="34" charset="0"/>
                 <a:sym typeface="Wingdings" panose="05000000000000000000" pitchFamily="2" charset="2"/>
               </a:rPr>
-              <a:t>  </a:t>
+              <a:t> </a:t>
             </a:r>
             <a:r>
               <a:rPr lang="fr-FR" sz="1200" dirty="0" smtClean="0">
@@ -5624,31 +6303,7 @@
                 <a:cs typeface="Arial" pitchFamily="34" charset="0"/>
                 <a:sym typeface="Wingdings" panose="05000000000000000000" pitchFamily="2" charset="2"/>
               </a:rPr>
-              <a:t>0</a:t>
-            </a:r>
-            <a:endParaRPr lang="fr-FR" sz="1200" dirty="0">
-              <a:solidFill>
-                <a:schemeClr val="tx1">
-                  <a:lumMod val="50000"/>
-                </a:schemeClr>
-              </a:solidFill>
-              <a:latin typeface="Arial" pitchFamily="34" charset="0"/>
-              <a:cs typeface="Arial" pitchFamily="34" charset="0"/>
-            </a:endParaRPr>
-          </a:p>
-          <a:p>
-            <a:pPr lvl="1"/>
-            <a:r>
-              <a:rPr lang="fr-FR" sz="1200" dirty="0" smtClean="0">
-                <a:solidFill>
-                  <a:schemeClr val="tx1">
-                    <a:lumMod val="50000"/>
-                  </a:schemeClr>
-                </a:solidFill>
-                <a:latin typeface="Arial" pitchFamily="34" charset="0"/>
-                <a:cs typeface="Arial" pitchFamily="34" charset="0"/>
-              </a:rPr>
-              <a:t>US3/FPGA/IN_FIFO/SPARE_IN1413  </a:t>
+              <a:t> </a:t>
             </a:r>
             <a:r>
               <a:rPr lang="fr-FR" sz="1200" dirty="0">
@@ -5661,7 +6316,20 @@
                 <a:cs typeface="Arial" pitchFamily="34" charset="0"/>
                 <a:sym typeface="Wingdings" panose="05000000000000000000" pitchFamily="2" charset="2"/>
               </a:rPr>
-              <a:t>  </a:t>
+              <a:t>1    (</a:t>
+            </a:r>
+            <a:r>
+              <a:rPr lang="fr-FR" sz="1200" dirty="0" err="1">
+                <a:solidFill>
+                  <a:schemeClr val="tx1">
+                    <a:lumMod val="50000"/>
+                  </a:schemeClr>
+                </a:solidFill>
+                <a:latin typeface="Arial" pitchFamily="34" charset="0"/>
+                <a:cs typeface="Arial" pitchFamily="34" charset="0"/>
+                <a:sym typeface="Wingdings" panose="05000000000000000000" pitchFamily="2" charset="2"/>
+              </a:rPr>
+              <a:t>timestamp</a:t>
             </a:r>
             <a:r>
               <a:rPr lang="fr-FR" sz="1200" dirty="0" smtClean="0">
@@ -5674,7 +6342,7 @@
                 <a:cs typeface="Arial" pitchFamily="34" charset="0"/>
                 <a:sym typeface="Wingdings" panose="05000000000000000000" pitchFamily="2" charset="2"/>
               </a:rPr>
-              <a:t>1</a:t>
+              <a:t>)</a:t>
             </a:r>
             <a:endParaRPr lang="fr-FR" sz="1200" dirty="0">
               <a:solidFill>
@@ -5686,8 +6354,417 @@
               <a:cs typeface="Arial" pitchFamily="34" charset="0"/>
             </a:endParaRPr>
           </a:p>
-        </p:txBody>
-      </p:sp>
+          <a:p>
+            <a:pPr lvl="1"/>
+            <a:r>
+              <a:rPr lang="fr-FR" sz="1200" dirty="0" smtClean="0">
+                <a:solidFill>
+                  <a:srgbClr val="FF0000"/>
+                </a:solidFill>
+                <a:latin typeface="Arial" pitchFamily="34" charset="0"/>
+                <a:cs typeface="Arial" pitchFamily="34" charset="0"/>
+              </a:rPr>
+              <a:t>US3/FPGA/IN_FIFO/SPARE_IN1413  </a:t>
+            </a:r>
+            <a:r>
+              <a:rPr lang="fr-FR" sz="1200" dirty="0" smtClean="0">
+                <a:solidFill>
+                  <a:srgbClr val="FF0000"/>
+                </a:solidFill>
+                <a:latin typeface="Arial" pitchFamily="34" charset="0"/>
+                <a:cs typeface="Arial" pitchFamily="34" charset="0"/>
+                <a:sym typeface="Wingdings" panose="05000000000000000000" pitchFamily="2" charset="2"/>
+              </a:rPr>
+              <a:t>|  0    </a:t>
+            </a:r>
+            <a:r>
+              <a:rPr lang="fr-FR" sz="1200" dirty="0" smtClean="0">
+                <a:solidFill>
+                  <a:schemeClr val="tx1">
+                    <a:lumMod val="50000"/>
+                  </a:schemeClr>
+                </a:solidFill>
+                <a:latin typeface="Arial" pitchFamily="34" charset="0"/>
+                <a:cs typeface="Arial" pitchFamily="34" charset="0"/>
+                <a:sym typeface="Wingdings" panose="05000000000000000000" pitchFamily="2" charset="2"/>
+              </a:rPr>
+              <a:t>(</a:t>
+            </a:r>
+            <a:r>
+              <a:rPr lang="fr-FR" sz="1200" dirty="0" err="1">
+                <a:solidFill>
+                  <a:schemeClr val="tx1">
+                    <a:lumMod val="50000"/>
+                  </a:schemeClr>
+                </a:solidFill>
+                <a:latin typeface="Arial" pitchFamily="34" charset="0"/>
+                <a:cs typeface="Arial" pitchFamily="34" charset="0"/>
+                <a:sym typeface="Wingdings" panose="05000000000000000000" pitchFamily="2" charset="2"/>
+              </a:rPr>
+              <a:t>timestamp</a:t>
+            </a:r>
+            <a:r>
+              <a:rPr lang="fr-FR" sz="1200" dirty="0" smtClean="0">
+                <a:solidFill>
+                  <a:schemeClr val="tx1">
+                    <a:lumMod val="50000"/>
+                  </a:schemeClr>
+                </a:solidFill>
+                <a:latin typeface="Arial" pitchFamily="34" charset="0"/>
+                <a:cs typeface="Arial" pitchFamily="34" charset="0"/>
+                <a:sym typeface="Wingdings" panose="05000000000000000000" pitchFamily="2" charset="2"/>
+              </a:rPr>
+              <a:t>)</a:t>
+            </a:r>
+            <a:endParaRPr lang="fr-FR" sz="1200" dirty="0">
+              <a:solidFill>
+                <a:schemeClr val="tx1">
+                  <a:lumMod val="50000"/>
+                </a:schemeClr>
+              </a:solidFill>
+              <a:latin typeface="Arial" pitchFamily="34" charset="0"/>
+              <a:cs typeface="Arial" pitchFamily="34" charset="0"/>
+              <a:sym typeface="Wingdings" panose="05000000000000000000" pitchFamily="2" charset="2"/>
+            </a:endParaRPr>
+          </a:p>
+        </p:txBody>
+      </p:sp>
+      <p:sp>
+        <p:nvSpPr>
+          <p:cNvPr id="3" name="ZoneTexte 2"/>
+          <p:cNvSpPr txBox="1"/>
+          <p:nvPr/>
+        </p:nvSpPr>
+        <p:spPr>
+          <a:xfrm>
+            <a:off x="6569145" y="2304025"/>
+            <a:ext cx="487110" cy="276999"/>
+          </a:xfrm>
+          <a:prstGeom prst="rect">
+            <a:avLst/>
+          </a:prstGeom>
+          <a:noFill/>
+        </p:spPr>
+        <p:txBody>
+          <a:bodyPr wrap="square" rtlCol="0">
+            <a:spAutoFit/>
+          </a:bodyPr>
+          <a:lstStyle/>
+          <a:p>
+            <a:r>
+              <a:rPr lang="fr-FR" sz="1200" dirty="0" smtClean="0">
+                <a:latin typeface="Arial" pitchFamily="34" charset="0"/>
+                <a:cs typeface="Arial" pitchFamily="34" charset="0"/>
+              </a:rPr>
+              <a:t>10 s</a:t>
+            </a:r>
+          </a:p>
+        </p:txBody>
+      </p:sp>
+      <p:cxnSp>
+        <p:nvCxnSpPr>
+          <p:cNvPr id="5" name="Connecteur en angle 4"/>
+          <p:cNvCxnSpPr>
+            <a:stCxn id="6" idx="1"/>
+            <a:endCxn id="3" idx="0"/>
+          </p:cNvCxnSpPr>
+          <p:nvPr/>
+        </p:nvCxnSpPr>
+        <p:spPr>
+          <a:xfrm rot="10800000" flipV="1">
+            <a:off x="6812700" y="1384705"/>
+            <a:ext cx="227510" cy="919319"/>
+          </a:xfrm>
+          <a:prstGeom prst="bentConnector2">
+            <a:avLst/>
+          </a:prstGeom>
+          <a:ln>
+            <a:tailEnd type="arrow"/>
+          </a:ln>
+        </p:spPr>
+        <p:style>
+          <a:lnRef idx="1">
+            <a:schemeClr val="accent1"/>
+          </a:lnRef>
+          <a:fillRef idx="0">
+            <a:schemeClr val="accent1"/>
+          </a:fillRef>
+          <a:effectRef idx="0">
+            <a:schemeClr val="accent1"/>
+          </a:effectRef>
+          <a:fontRef idx="minor">
+            <a:schemeClr val="tx1"/>
+          </a:fontRef>
+        </p:style>
+      </p:cxnSp>
+      <p:sp>
+        <p:nvSpPr>
+          <p:cNvPr id="6" name="ZoneTexte 5"/>
+          <p:cNvSpPr txBox="1"/>
+          <p:nvPr/>
+        </p:nvSpPr>
+        <p:spPr>
+          <a:xfrm>
+            <a:off x="7040210" y="1246206"/>
+            <a:ext cx="1153320" cy="276999"/>
+          </a:xfrm>
+          <a:prstGeom prst="rect">
+            <a:avLst/>
+          </a:prstGeom>
+          <a:noFill/>
+        </p:spPr>
+        <p:txBody>
+          <a:bodyPr wrap="square" rtlCol="0">
+            <a:spAutoFit/>
+          </a:bodyPr>
+          <a:lstStyle/>
+          <a:p>
+            <a:r>
+              <a:rPr lang="fr-FR" sz="1200" dirty="0" err="1" smtClean="0">
+                <a:latin typeface="Arial" pitchFamily="34" charset="0"/>
+                <a:cs typeface="Arial" pitchFamily="34" charset="0"/>
+              </a:rPr>
+              <a:t>Countdown</a:t>
+            </a:r>
+            <a:endParaRPr lang="fr-FR" sz="1200" dirty="0" smtClean="0">
+              <a:latin typeface="Arial" pitchFamily="34" charset="0"/>
+              <a:cs typeface="Arial" pitchFamily="34" charset="0"/>
+            </a:endParaRPr>
+          </a:p>
+        </p:txBody>
+      </p:sp>
+      <p:cxnSp>
+        <p:nvCxnSpPr>
+          <p:cNvPr id="18" name="Connecteur droit avec flèche 17"/>
+          <p:cNvCxnSpPr>
+            <a:stCxn id="20" idx="0"/>
+          </p:cNvCxnSpPr>
+          <p:nvPr/>
+        </p:nvCxnSpPr>
+        <p:spPr>
+          <a:xfrm flipV="1">
+            <a:off x="3622536" y="4208828"/>
+            <a:ext cx="0" cy="1098110"/>
+          </a:xfrm>
+          <a:prstGeom prst="straightConnector1">
+            <a:avLst/>
+          </a:prstGeom>
+          <a:ln>
+            <a:tailEnd type="arrow"/>
+          </a:ln>
+        </p:spPr>
+        <p:style>
+          <a:lnRef idx="1">
+            <a:schemeClr val="accent1"/>
+          </a:lnRef>
+          <a:fillRef idx="0">
+            <a:schemeClr val="accent1"/>
+          </a:fillRef>
+          <a:effectRef idx="0">
+            <a:schemeClr val="accent1"/>
+          </a:effectRef>
+          <a:fontRef idx="minor">
+            <a:schemeClr val="tx1"/>
+          </a:fontRef>
+        </p:style>
+      </p:cxnSp>
+      <p:sp>
+        <p:nvSpPr>
+          <p:cNvPr id="20" name="ZoneTexte 19"/>
+          <p:cNvSpPr txBox="1"/>
+          <p:nvPr/>
+        </p:nvSpPr>
+        <p:spPr>
+          <a:xfrm>
+            <a:off x="2640840" y="5306938"/>
+            <a:ext cx="1963392" cy="461665"/>
+          </a:xfrm>
+          <a:prstGeom prst="rect">
+            <a:avLst/>
+          </a:prstGeom>
+          <a:noFill/>
+        </p:spPr>
+        <p:txBody>
+          <a:bodyPr wrap="square" rtlCol="0">
+            <a:spAutoFit/>
+          </a:bodyPr>
+          <a:lstStyle/>
+          <a:p>
+            <a:r>
+              <a:rPr lang="fr-FR" sz="1200" dirty="0" smtClean="0">
+                <a:latin typeface="Arial" pitchFamily="34" charset="0"/>
+                <a:cs typeface="Arial" pitchFamily="34" charset="0"/>
+              </a:rPr>
+              <a:t>Line in </a:t>
+            </a:r>
+            <a:r>
+              <a:rPr lang="fr-FR" sz="1200" dirty="0" err="1" smtClean="0">
+                <a:latin typeface="Arial" pitchFamily="34" charset="0"/>
+                <a:cs typeface="Arial" pitchFamily="34" charset="0"/>
+              </a:rPr>
+              <a:t>red</a:t>
+            </a:r>
+            <a:r>
+              <a:rPr lang="fr-FR" sz="1200" dirty="0" smtClean="0">
+                <a:latin typeface="Arial" pitchFamily="34" charset="0"/>
+                <a:cs typeface="Arial" pitchFamily="34" charset="0"/>
+              </a:rPr>
+              <a:t> </a:t>
+            </a:r>
+            <a:r>
+              <a:rPr lang="fr-FR" sz="1200" dirty="0" err="1" smtClean="0">
+                <a:latin typeface="Arial" pitchFamily="34" charset="0"/>
+                <a:cs typeface="Arial" pitchFamily="34" charset="0"/>
+              </a:rPr>
+              <a:t>when</a:t>
+            </a:r>
+            <a:r>
+              <a:rPr lang="fr-FR" sz="1200" dirty="0" smtClean="0">
+                <a:latin typeface="Arial" pitchFamily="34" charset="0"/>
+                <a:cs typeface="Arial" pitchFamily="34" charset="0"/>
+              </a:rPr>
+              <a:t> </a:t>
+            </a:r>
+            <a:r>
+              <a:rPr lang="fr-FR" sz="1200" dirty="0" err="1" smtClean="0">
+                <a:latin typeface="Arial" pitchFamily="34" charset="0"/>
+                <a:cs typeface="Arial" pitchFamily="34" charset="0"/>
+              </a:rPr>
+              <a:t>there</a:t>
+            </a:r>
+            <a:r>
+              <a:rPr lang="fr-FR" sz="1200" dirty="0" smtClean="0">
+                <a:latin typeface="Arial" pitchFamily="34" charset="0"/>
+                <a:cs typeface="Arial" pitchFamily="34" charset="0"/>
+              </a:rPr>
+              <a:t> </a:t>
+            </a:r>
+            <a:r>
+              <a:rPr lang="fr-FR" sz="1200" dirty="0" err="1" smtClean="0">
+                <a:latin typeface="Arial" pitchFamily="34" charset="0"/>
+                <a:cs typeface="Arial" pitchFamily="34" charset="0"/>
+              </a:rPr>
+              <a:t>is</a:t>
+            </a:r>
+            <a:r>
+              <a:rPr lang="fr-FR" sz="1200" dirty="0" smtClean="0">
+                <a:latin typeface="Arial" pitchFamily="34" charset="0"/>
+                <a:cs typeface="Arial" pitchFamily="34" charset="0"/>
+              </a:rPr>
+              <a:t> a 0 or 0.0 value</a:t>
+            </a:r>
+          </a:p>
+        </p:txBody>
+      </p:sp>
+      <p:cxnSp>
+        <p:nvCxnSpPr>
+          <p:cNvPr id="25" name="Connecteur droit avec flèche 24"/>
+          <p:cNvCxnSpPr>
+            <a:stCxn id="28" idx="2"/>
+            <a:endCxn id="13" idx="0"/>
+          </p:cNvCxnSpPr>
+          <p:nvPr/>
+        </p:nvCxnSpPr>
+        <p:spPr>
+          <a:xfrm>
+            <a:off x="3747339" y="1944686"/>
+            <a:ext cx="1" cy="818227"/>
+          </a:xfrm>
+          <a:prstGeom prst="straightConnector1">
+            <a:avLst/>
+          </a:prstGeom>
+          <a:ln>
+            <a:tailEnd type="arrow"/>
+          </a:ln>
+        </p:spPr>
+        <p:style>
+          <a:lnRef idx="1">
+            <a:schemeClr val="accent1"/>
+          </a:lnRef>
+          <a:fillRef idx="0">
+            <a:schemeClr val="accent1"/>
+          </a:fillRef>
+          <a:effectRef idx="0">
+            <a:schemeClr val="accent1"/>
+          </a:effectRef>
+          <a:fontRef idx="minor">
+            <a:schemeClr val="tx1"/>
+          </a:fontRef>
+        </p:style>
+      </p:cxnSp>
+      <p:sp>
+        <p:nvSpPr>
+          <p:cNvPr id="28" name="ZoneTexte 27"/>
+          <p:cNvSpPr txBox="1"/>
+          <p:nvPr/>
+        </p:nvSpPr>
+        <p:spPr>
+          <a:xfrm>
+            <a:off x="3171575" y="1667687"/>
+            <a:ext cx="1151527" cy="276999"/>
+          </a:xfrm>
+          <a:prstGeom prst="rect">
+            <a:avLst/>
+          </a:prstGeom>
+          <a:noFill/>
+        </p:spPr>
+        <p:txBody>
+          <a:bodyPr wrap="square" rtlCol="0">
+            <a:spAutoFit/>
+          </a:bodyPr>
+          <a:lstStyle/>
+          <a:p>
+            <a:r>
+              <a:rPr lang="fr-FR" sz="1200" dirty="0" smtClean="0">
+                <a:latin typeface="Arial" pitchFamily="34" charset="0"/>
+                <a:cs typeface="Arial" pitchFamily="34" charset="0"/>
+              </a:rPr>
+              <a:t>Can be edited</a:t>
+            </a:r>
+          </a:p>
+        </p:txBody>
+      </p:sp>
+      <p:pic>
+        <p:nvPicPr>
+          <p:cNvPr id="21" name="Picture 2" descr="D:\Documents and Settings\259869\Bureau\Refresh_icon.png"/>
+          <p:cNvPicPr>
+            <a:picLocks noChangeAspect="1" noChangeArrowheads="1"/>
+          </p:cNvPicPr>
+          <p:nvPr/>
+        </p:nvPicPr>
+        <p:blipFill>
+          <a:blip r:embed="rId4" cstate="print">
+            <a:extLst>
+              <a:ext uri="{28A0092B-C50C-407E-A947-70E740481C1C}">
+                <a14:useLocalDpi xmlns:a14="http://schemas.microsoft.com/office/drawing/2010/main" val="0"/>
+              </a:ext>
+            </a:extLst>
+          </a:blip>
+          <a:srcRect/>
+          <a:stretch>
+            <a:fillRect/>
+          </a:stretch>
+        </p:blipFill>
+        <p:spPr bwMode="auto">
+          <a:xfrm>
+            <a:off x="7072974" y="2313894"/>
+            <a:ext cx="240921" cy="240921"/>
+          </a:xfrm>
+          <a:prstGeom prst="rect">
+            <a:avLst/>
+          </a:prstGeom>
+          <a:noFill/>
+          <a:extLst>
+            <a:ext uri="{909E8E84-426E-40DD-AFC4-6F175D3DCCD1}">
+              <a14:hiddenFill xmlns:a14="http://schemas.microsoft.com/office/drawing/2010/main">
+                <a:solidFill>
+                  <a:srgbClr val="FFFFFF"/>
+                </a:solidFill>
+              </a14:hiddenFill>
+            </a:ext>
+          </a:extLst>
+        </p:spPr>
+      </p:pic>
     </p:spTree>
     <p:extLst>
       <p:ext uri="{BB962C8B-B14F-4D97-AF65-F5344CB8AC3E}">
@@ -5708,7 +6785,7 @@
 </p:sld>
 </file>
 
-<file path=ppt/slides/slide6.xml><?xml version="1.0" encoding="utf-8"?>
+<file path=ppt/slides/slide8.xml><?xml version="1.0" encoding="utf-8"?>
 <p:sld xmlns:a="http://schemas.openxmlformats.org/drawingml/2006/main" xmlns:r="http://schemas.openxmlformats.org/officeDocument/2006/relationships" xmlns:p="http://schemas.openxmlformats.org/presentationml/2006/main">
   <p:cSld>
     <p:spTree>

--- a/Specifications.pptx
+++ b/Specifications.pptx
@@ -4991,8 +4991,8 @@
           <a:lstStyle/>
           <a:p>
             <a:r>
-              <a:rPr lang="en-GB" dirty="0" smtClean="0"/>
-              <a:t>VS Clipboard</a:t>
+              <a:rPr lang="en-GB" dirty="0" err="1" smtClean="0"/>
+              <a:t>VSObserver</a:t>
             </a:r>
             <a:endParaRPr lang="en-GB" dirty="0"/>
           </a:p>
@@ -5191,13 +5191,27 @@
         </p:spPr>
         <p:txBody>
           <a:bodyPr>
-            <a:normAutofit fontScale="77500" lnSpcReduction="20000"/>
+            <a:normAutofit fontScale="62500" lnSpcReduction="20000"/>
           </a:bodyPr>
           <a:lstStyle/>
           <a:p>
             <a:r>
+              <a:rPr lang="en-GB" b="1" dirty="0" err="1" smtClean="0"/>
+              <a:t>VSObserver</a:t>
+            </a:r>
+            <a:r>
+              <a:rPr lang="en-GB" b="1" dirty="0" smtClean="0"/>
+              <a:t> (Name chosen)</a:t>
+            </a:r>
+          </a:p>
+          <a:p>
+            <a:r>
               <a:rPr lang="en-GB" dirty="0" smtClean="0"/>
-              <a:t>VS Clip</a:t>
+              <a:t>VS </a:t>
+            </a:r>
+            <a:r>
+              <a:rPr lang="en-GB" dirty="0" smtClean="0"/>
+              <a:t>Clip</a:t>
             </a:r>
           </a:p>
           <a:p>

--- a/Specifications.pptx
+++ b/Specifications.pptx
@@ -519,7 +519,7 @@
             <a:fld id="{450B2359-2FB6-4813-BCCF-53F3748D72DB}" type="datetimeFigureOut">
               <a:rPr lang="en-GB" smtClean="0"/>
               <a:pPr/>
-              <a:t>10/02/2015</a:t>
+              <a:t>20/02/2015</a:t>
             </a:fld>
             <a:endParaRPr lang="en-GB" dirty="0"/>
           </a:p>
@@ -4351,7 +4351,7 @@
                 <a:cs typeface="Arial" pitchFamily="34" charset="0"/>
               </a:rPr>
               <a:pPr/>
-              <a:t>10/02/2015</a:t>
+              <a:t>20/02/2015</a:t>
             </a:fld>
             <a:r>
               <a:rPr lang="en-GB" sz="800" dirty="0" smtClean="0">
@@ -5207,11 +5207,7 @@
           <a:p>
             <a:r>
               <a:rPr lang="en-GB" dirty="0" smtClean="0"/>
-              <a:t>VS </a:t>
-            </a:r>
-            <a:r>
-              <a:rPr lang="en-GB" dirty="0" smtClean="0"/>
-              <a:t>Clip</a:t>
+              <a:t>VS Clip</a:t>
             </a:r>
           </a:p>
           <a:p>
@@ -5398,35 +5394,63 @@
           <a:lstStyle/>
           <a:p>
             <a:r>
-              <a:rPr lang="en-GB" dirty="0" smtClean="0"/>
+              <a:rPr lang="en-GB" dirty="0" smtClean="0">
+                <a:solidFill>
+                  <a:schemeClr val="accent6"/>
+                </a:solidFill>
+              </a:rPr>
               <a:t>To see a variable use CTRL+C shortcut</a:t>
             </a:r>
           </a:p>
           <a:p>
             <a:r>
-              <a:rPr lang="en-GB" dirty="0" smtClean="0"/>
+              <a:rPr lang="en-GB" dirty="0" smtClean="0">
+                <a:solidFill>
+                  <a:schemeClr val="accent6"/>
+                </a:solidFill>
+              </a:rPr>
               <a:t>If there aren’t variables or more than N (number defined) results, then the popup will display a message to notify the users.</a:t>
             </a:r>
           </a:p>
           <a:p>
             <a:r>
-              <a:rPr lang="en-GB" dirty="0" smtClean="0"/>
+              <a:rPr lang="en-GB" dirty="0" smtClean="0">
+                <a:solidFill>
+                  <a:schemeClr val="accent6"/>
+                </a:solidFill>
+              </a:rPr>
               <a:t>If </a:t>
             </a:r>
             <a:r>
-              <a:rPr lang="en-GB" dirty="0"/>
+              <a:rPr lang="en-GB" dirty="0">
+                <a:solidFill>
+                  <a:schemeClr val="accent6"/>
+                </a:solidFill>
+              </a:rPr>
               <a:t>a variable </a:t>
             </a:r>
             <a:r>
-              <a:rPr lang="en-GB" dirty="0" smtClean="0"/>
+              <a:rPr lang="en-GB" dirty="0" smtClean="0">
+                <a:solidFill>
+                  <a:schemeClr val="accent6"/>
+                </a:solidFill>
+              </a:rPr>
               <a:t>matches, the </a:t>
             </a:r>
             <a:r>
-              <a:rPr lang="en-GB" dirty="0"/>
+              <a:rPr lang="en-GB" dirty="0">
+                <a:solidFill>
+                  <a:schemeClr val="accent6"/>
+                </a:solidFill>
+              </a:rPr>
               <a:t>different variables will be shown with their </a:t>
             </a:r>
             <a:r>
-              <a:rPr lang="en-GB" dirty="0" smtClean="0"/>
+              <a:rPr lang="en-GB" dirty="0" smtClean="0">
+                <a:solidFill>
+                  <a:schemeClr val="accent6"/>
+                </a:solidFill>
+              </a:rPr>
               <a:t>values in a popup</a:t>
             </a:r>
           </a:p>
@@ -5456,7 +5480,11 @@
           </a:p>
           <a:p>
             <a:r>
-              <a:rPr lang="en-GB" dirty="0" smtClean="0"/>
+              <a:rPr lang="en-GB" dirty="0" smtClean="0">
+                <a:solidFill>
+                  <a:schemeClr val="accent6"/>
+                </a:solidFill>
+              </a:rPr>
               <a:t>Possibility to edit copied variable </a:t>
             </a:r>
           </a:p>
@@ -5468,7 +5496,11 @@
           </a:p>
           <a:p>
             <a:r>
-              <a:rPr lang="en-GB" dirty="0" smtClean="0"/>
+              <a:rPr lang="en-GB" dirty="0" smtClean="0">
+                <a:solidFill>
+                  <a:schemeClr val="accent6"/>
+                </a:solidFill>
+              </a:rPr>
               <a:t>Refresh button for exhaustive VS variable list</a:t>
             </a:r>
           </a:p>
@@ -5863,9 +5895,66 @@
           </a:p>
           <a:p>
             <a:r>
-              <a:rPr lang="en-GB" dirty="0" smtClean="0"/>
-              <a:t>Automated refresh of VS variable</a:t>
-            </a:r>
+              <a:rPr lang="en-GB" dirty="0" smtClean="0">
+                <a:solidFill>
+                  <a:schemeClr val="accent6"/>
+                </a:solidFill>
+              </a:rPr>
+              <a:t>Automated refresh of VS </a:t>
+            </a:r>
+            <a:r>
+              <a:rPr lang="en-GB" dirty="0" smtClean="0">
+                <a:solidFill>
+                  <a:schemeClr val="accent6"/>
+                </a:solidFill>
+              </a:rPr>
+              <a:t>variable</a:t>
+            </a:r>
+          </a:p>
+          <a:p>
+            <a:r>
+              <a:rPr lang="en-GB" dirty="0" smtClean="0">
+                <a:solidFill>
+                  <a:schemeClr val="accent6"/>
+                </a:solidFill>
+              </a:rPr>
+              <a:t>A colour appears when the variable value has changed for N seconds</a:t>
+            </a:r>
+          </a:p>
+          <a:p>
+            <a:r>
+              <a:rPr lang="en-GB" dirty="0" smtClean="0">
+                <a:solidFill>
+                  <a:schemeClr val="accent6"/>
+                </a:solidFill>
+              </a:rPr>
+              <a:t>The search text is filtered (avoid having special characters like %,*;….)</a:t>
+            </a:r>
+          </a:p>
+          <a:p>
+            <a:r>
+              <a:rPr lang="en-GB" dirty="0" smtClean="0">
+                <a:solidFill>
+                  <a:schemeClr val="accent6"/>
+                </a:solidFill>
+              </a:rPr>
+              <a:t>Information message displays the reason why there isn’t the search</a:t>
+            </a:r>
+          </a:p>
+          <a:p>
+            <a:r>
+              <a:rPr lang="en-GB" dirty="0" smtClean="0">
+                <a:solidFill>
+                  <a:schemeClr val="accent6"/>
+                </a:solidFill>
+              </a:rPr>
+              <a:t>File configuration to put the personal value, on refresh rate, the colour when a variable value changed and the duration that the colour stays on.</a:t>
+            </a:r>
+            <a:endParaRPr lang="en-GB" dirty="0" smtClean="0">
+              <a:solidFill>
+                <a:schemeClr val="accent6"/>
+              </a:solidFill>
+            </a:endParaRPr>
           </a:p>
           <a:p>
             <a:endParaRPr lang="en-GB" dirty="0"/>
